--- a/Presentation.pptx
+++ b/Presentation.pptx
@@ -5,7 +5,7 @@
     <p:sldMasterId id="2147483710" r:id="rId1"/>
   </p:sldMasterIdLst>
   <p:notesMasterIdLst>
-    <p:notesMasterId r:id="rId10"/>
+    <p:notesMasterId r:id="rId13"/>
   </p:notesMasterIdLst>
   <p:sldIdLst>
     <p:sldId id="256" r:id="rId2"/>
@@ -16,6 +16,9 @@
     <p:sldId id="260" r:id="rId7"/>
     <p:sldId id="261" r:id="rId8"/>
     <p:sldId id="262" r:id="rId9"/>
+    <p:sldId id="264" r:id="rId10"/>
+    <p:sldId id="265" r:id="rId11"/>
+    <p:sldId id="266" r:id="rId12"/>
   </p:sldIdLst>
   <p:sldSz cx="12192000" cy="6858000"/>
   <p:notesSz cx="6858000" cy="9144000"/>
@@ -125,7 +128,7 @@
 <file path=ppt/revisionInfo.xml><?xml version="1.0" encoding="utf-8"?>
 <p1510:revInfo xmlns:a="http://schemas.openxmlformats.org/drawingml/2006/main" xmlns:r="http://schemas.openxmlformats.org/officeDocument/2006/relationships" xmlns:p1510="http://schemas.microsoft.com/office/powerpoint/2015/10/main">
   <p1510:revLst>
-    <p1510:client id="{A799029E-5BF6-4217-9527-3ABED80F9392}" v="19" dt="2020-07-31T01:02:30.255"/>
+    <p1510:client id="{4DED248E-BB03-4A61-BB2C-9BF06073F22B}" v="5" dt="2020-08-01T14:58:14.216"/>
   </p1510:revLst>
 </p1510:revInfo>
 </file>
@@ -745,6 +748,251 @@
             <ac:picMk id="5" creationId="{BB8BBF10-7E54-4872-94CB-B231910DF8D2}"/>
           </ac:picMkLst>
         </pc:picChg>
+      </pc:sldChg>
+    </pc:docChg>
+  </pc:docChgLst>
+  <pc:docChgLst>
+    <pc:chgData name="John Falcone" userId="1fac64da71420b81" providerId="LiveId" clId="{4DED248E-BB03-4A61-BB2C-9BF06073F22B}"/>
+    <pc:docChg chg="custSel addSld modSld">
+      <pc:chgData name="John Falcone" userId="1fac64da71420b81" providerId="LiveId" clId="{4DED248E-BB03-4A61-BB2C-9BF06073F22B}" dt="2020-08-01T15:06:56.463" v="3410" actId="20577"/>
+      <pc:docMkLst>
+        <pc:docMk/>
+      </pc:docMkLst>
+      <pc:sldChg chg="modSp mod">
+        <pc:chgData name="John Falcone" userId="1fac64da71420b81" providerId="LiveId" clId="{4DED248E-BB03-4A61-BB2C-9BF06073F22B}" dt="2020-08-01T14:25:33.854" v="955" actId="14100"/>
+        <pc:sldMkLst>
+          <pc:docMk/>
+          <pc:sldMk cId="4234809153" sldId="263"/>
+        </pc:sldMkLst>
+        <pc:picChg chg="mod">
+          <ac:chgData name="John Falcone" userId="1fac64da71420b81" providerId="LiveId" clId="{4DED248E-BB03-4A61-BB2C-9BF06073F22B}" dt="2020-08-01T14:25:33.854" v="955" actId="14100"/>
+          <ac:picMkLst>
+            <pc:docMk/>
+            <pc:sldMk cId="4234809153" sldId="263"/>
+            <ac:picMk id="7" creationId="{8A998814-C5B0-854A-934F-81E8C54BB771}"/>
+          </ac:picMkLst>
+        </pc:picChg>
+      </pc:sldChg>
+      <pc:sldChg chg="addSp delSp modSp new mod modClrScheme chgLayout modNotesTx">
+        <pc:chgData name="John Falcone" userId="1fac64da71420b81" providerId="LiveId" clId="{4DED248E-BB03-4A61-BB2C-9BF06073F22B}" dt="2020-08-01T15:01:30.358" v="2509" actId="1076"/>
+        <pc:sldMkLst>
+          <pc:docMk/>
+          <pc:sldMk cId="1844854528" sldId="264"/>
+        </pc:sldMkLst>
+        <pc:spChg chg="del mod ord">
+          <ac:chgData name="John Falcone" userId="1fac64da71420b81" providerId="LiveId" clId="{4DED248E-BB03-4A61-BB2C-9BF06073F22B}" dt="2020-08-01T14:07:01.953" v="1" actId="700"/>
+          <ac:spMkLst>
+            <pc:docMk/>
+            <pc:sldMk cId="1844854528" sldId="264"/>
+            <ac:spMk id="2" creationId="{3786904E-0080-405D-B203-A3F40B5EB3D5}"/>
+          </ac:spMkLst>
+        </pc:spChg>
+        <pc:spChg chg="del mod ord">
+          <ac:chgData name="John Falcone" userId="1fac64da71420b81" providerId="LiveId" clId="{4DED248E-BB03-4A61-BB2C-9BF06073F22B}" dt="2020-08-01T14:07:01.953" v="1" actId="700"/>
+          <ac:spMkLst>
+            <pc:docMk/>
+            <pc:sldMk cId="1844854528" sldId="264"/>
+            <ac:spMk id="3" creationId="{E5ED0823-DEB1-4D08-AA39-5B67B99DDC54}"/>
+          </ac:spMkLst>
+        </pc:spChg>
+        <pc:spChg chg="del mod ord">
+          <ac:chgData name="John Falcone" userId="1fac64da71420b81" providerId="LiveId" clId="{4DED248E-BB03-4A61-BB2C-9BF06073F22B}" dt="2020-08-01T14:07:01.953" v="1" actId="700"/>
+          <ac:spMkLst>
+            <pc:docMk/>
+            <pc:sldMk cId="1844854528" sldId="264"/>
+            <ac:spMk id="4" creationId="{FA9A25AD-0EA2-4FF7-A2AE-B8FD69F763C0}"/>
+          </ac:spMkLst>
+        </pc:spChg>
+        <pc:spChg chg="add mod ord">
+          <ac:chgData name="John Falcone" userId="1fac64da71420b81" providerId="LiveId" clId="{4DED248E-BB03-4A61-BB2C-9BF06073F22B}" dt="2020-08-01T15:01:30.358" v="2509" actId="1076"/>
+          <ac:spMkLst>
+            <pc:docMk/>
+            <pc:sldMk cId="1844854528" sldId="264"/>
+            <ac:spMk id="5" creationId="{B5A9CBBF-21C2-46FD-9B81-9473352DF07B}"/>
+          </ac:spMkLst>
+        </pc:spChg>
+        <pc:spChg chg="add mod ord">
+          <ac:chgData name="John Falcone" userId="1fac64da71420b81" providerId="LiveId" clId="{4DED248E-BB03-4A61-BB2C-9BF06073F22B}" dt="2020-08-01T14:38:49.016" v="1400" actId="255"/>
+          <ac:spMkLst>
+            <pc:docMk/>
+            <pc:sldMk cId="1844854528" sldId="264"/>
+            <ac:spMk id="6" creationId="{A6C1DBB0-4567-4094-B7CD-B4C34877E1A1}"/>
+          </ac:spMkLst>
+        </pc:spChg>
+        <pc:spChg chg="add mod ord">
+          <ac:chgData name="John Falcone" userId="1fac64da71420b81" providerId="LiveId" clId="{4DED248E-BB03-4A61-BB2C-9BF06073F22B}" dt="2020-08-01T14:38:36.306" v="1399" actId="1076"/>
+          <ac:spMkLst>
+            <pc:docMk/>
+            <pc:sldMk cId="1844854528" sldId="264"/>
+            <ac:spMk id="7" creationId="{D7729938-1E58-4669-934D-E26FC4290FCE}"/>
+          </ac:spMkLst>
+        </pc:spChg>
+        <pc:spChg chg="add mod ord">
+          <ac:chgData name="John Falcone" userId="1fac64da71420b81" providerId="LiveId" clId="{4DED248E-BB03-4A61-BB2C-9BF06073F22B}" dt="2020-08-01T14:36:32.313" v="1208" actId="255"/>
+          <ac:spMkLst>
+            <pc:docMk/>
+            <pc:sldMk cId="1844854528" sldId="264"/>
+            <ac:spMk id="8" creationId="{94F8D431-6B3A-4DCA-B906-D193704C4CB2}"/>
+          </ac:spMkLst>
+        </pc:spChg>
+        <pc:spChg chg="add mod ord">
+          <ac:chgData name="John Falcone" userId="1fac64da71420b81" providerId="LiveId" clId="{4DED248E-BB03-4A61-BB2C-9BF06073F22B}" dt="2020-08-01T14:15:40.759" v="683" actId="20577"/>
+          <ac:spMkLst>
+            <pc:docMk/>
+            <pc:sldMk cId="1844854528" sldId="264"/>
+            <ac:spMk id="9" creationId="{718944B8-2E3F-4ACE-B256-CB47061F4445}"/>
+          </ac:spMkLst>
+        </pc:spChg>
+        <pc:spChg chg="add mod ord">
+          <ac:chgData name="John Falcone" userId="1fac64da71420b81" providerId="LiveId" clId="{4DED248E-BB03-4A61-BB2C-9BF06073F22B}" dt="2020-08-01T14:37:19.534" v="1270" actId="20577"/>
+          <ac:spMkLst>
+            <pc:docMk/>
+            <pc:sldMk cId="1844854528" sldId="264"/>
+            <ac:spMk id="10" creationId="{143696C7-3F81-45E9-8058-F70ABCBD0D2B}"/>
+          </ac:spMkLst>
+        </pc:spChg>
+        <pc:spChg chg="add mod ord">
+          <ac:chgData name="John Falcone" userId="1fac64da71420b81" providerId="LiveId" clId="{4DED248E-BB03-4A61-BB2C-9BF06073F22B}" dt="2020-08-01T14:42:20.627" v="1730" actId="20577"/>
+          <ac:spMkLst>
+            <pc:docMk/>
+            <pc:sldMk cId="1844854528" sldId="264"/>
+            <ac:spMk id="11" creationId="{B90D48A9-5917-450B-950F-A3FF3A3AD6EC}"/>
+          </ac:spMkLst>
+        </pc:spChg>
+      </pc:sldChg>
+      <pc:sldChg chg="addSp delSp modSp new mod modClrScheme chgLayout modNotesTx">
+        <pc:chgData name="John Falcone" userId="1fac64da71420b81" providerId="LiveId" clId="{4DED248E-BB03-4A61-BB2C-9BF06073F22B}" dt="2020-08-01T15:01:13.602" v="2507" actId="14100"/>
+        <pc:sldMkLst>
+          <pc:docMk/>
+          <pc:sldMk cId="3896498475" sldId="265"/>
+        </pc:sldMkLst>
+        <pc:spChg chg="del mod ord">
+          <ac:chgData name="John Falcone" userId="1fac64da71420b81" providerId="LiveId" clId="{4DED248E-BB03-4A61-BB2C-9BF06073F22B}" dt="2020-08-01T14:12:25.533" v="422" actId="700"/>
+          <ac:spMkLst>
+            <pc:docMk/>
+            <pc:sldMk cId="3896498475" sldId="265"/>
+            <ac:spMk id="2" creationId="{53212BA4-743B-4477-BA56-1745C805E8C5}"/>
+          </ac:spMkLst>
+        </pc:spChg>
+        <pc:spChg chg="del mod ord">
+          <ac:chgData name="John Falcone" userId="1fac64da71420b81" providerId="LiveId" clId="{4DED248E-BB03-4A61-BB2C-9BF06073F22B}" dt="2020-08-01T14:12:25.533" v="422" actId="700"/>
+          <ac:spMkLst>
+            <pc:docMk/>
+            <pc:sldMk cId="3896498475" sldId="265"/>
+            <ac:spMk id="3" creationId="{3EAABC17-3D88-4AB7-AC9D-B81F1E3A08A4}"/>
+          </ac:spMkLst>
+        </pc:spChg>
+        <pc:spChg chg="del">
+          <ac:chgData name="John Falcone" userId="1fac64da71420b81" providerId="LiveId" clId="{4DED248E-BB03-4A61-BB2C-9BF06073F22B}" dt="2020-08-01T14:12:25.533" v="422" actId="700"/>
+          <ac:spMkLst>
+            <pc:docMk/>
+            <pc:sldMk cId="3896498475" sldId="265"/>
+            <ac:spMk id="4" creationId="{D073B81A-58A5-41D8-B99D-C12AABD29CA3}"/>
+          </ac:spMkLst>
+        </pc:spChg>
+        <pc:spChg chg="del mod ord">
+          <ac:chgData name="John Falcone" userId="1fac64da71420b81" providerId="LiveId" clId="{4DED248E-BB03-4A61-BB2C-9BF06073F22B}" dt="2020-08-01T14:12:25.533" v="422" actId="700"/>
+          <ac:spMkLst>
+            <pc:docMk/>
+            <pc:sldMk cId="3896498475" sldId="265"/>
+            <ac:spMk id="5" creationId="{16C17485-488B-43F0-A0AB-B26831D8B7E4}"/>
+          </ac:spMkLst>
+        </pc:spChg>
+        <pc:spChg chg="del">
+          <ac:chgData name="John Falcone" userId="1fac64da71420b81" providerId="LiveId" clId="{4DED248E-BB03-4A61-BB2C-9BF06073F22B}" dt="2020-08-01T14:12:25.533" v="422" actId="700"/>
+          <ac:spMkLst>
+            <pc:docMk/>
+            <pc:sldMk cId="3896498475" sldId="265"/>
+            <ac:spMk id="6" creationId="{F10F1044-0CD0-4705-9D38-8543A2CA9C77}"/>
+          </ac:spMkLst>
+        </pc:spChg>
+        <pc:spChg chg="del">
+          <ac:chgData name="John Falcone" userId="1fac64da71420b81" providerId="LiveId" clId="{4DED248E-BB03-4A61-BB2C-9BF06073F22B}" dt="2020-08-01T14:12:25.533" v="422" actId="700"/>
+          <ac:spMkLst>
+            <pc:docMk/>
+            <pc:sldMk cId="3896498475" sldId="265"/>
+            <ac:spMk id="7" creationId="{BFB58889-9339-42D0-8624-31B7B72E40D9}"/>
+          </ac:spMkLst>
+        </pc:spChg>
+        <pc:spChg chg="del">
+          <ac:chgData name="John Falcone" userId="1fac64da71420b81" providerId="LiveId" clId="{4DED248E-BB03-4A61-BB2C-9BF06073F22B}" dt="2020-08-01T14:12:25.533" v="422" actId="700"/>
+          <ac:spMkLst>
+            <pc:docMk/>
+            <pc:sldMk cId="3896498475" sldId="265"/>
+            <ac:spMk id="8" creationId="{E1655B42-72F6-4EA1-970F-FAA3A4445627}"/>
+          </ac:spMkLst>
+        </pc:spChg>
+        <pc:spChg chg="add mod ord">
+          <ac:chgData name="John Falcone" userId="1fac64da71420b81" providerId="LiveId" clId="{4DED248E-BB03-4A61-BB2C-9BF06073F22B}" dt="2020-08-01T15:01:13.602" v="2507" actId="14100"/>
+          <ac:spMkLst>
+            <pc:docMk/>
+            <pc:sldMk cId="3896498475" sldId="265"/>
+            <ac:spMk id="9" creationId="{EC2C6CE4-7503-4679-A050-992310594611}"/>
+          </ac:spMkLst>
+        </pc:spChg>
+        <pc:spChg chg="add mod ord">
+          <ac:chgData name="John Falcone" userId="1fac64da71420b81" providerId="LiveId" clId="{4DED248E-BB03-4A61-BB2C-9BF06073F22B}" dt="2020-08-01T14:59:29.060" v="2424" actId="27636"/>
+          <ac:spMkLst>
+            <pc:docMk/>
+            <pc:sldMk cId="3896498475" sldId="265"/>
+            <ac:spMk id="10" creationId="{57117D46-E10C-4708-AADD-B51FE0677E68}"/>
+          </ac:spMkLst>
+        </pc:spChg>
+        <pc:spChg chg="add mod ord">
+          <ac:chgData name="John Falcone" userId="1fac64da71420b81" providerId="LiveId" clId="{4DED248E-BB03-4A61-BB2C-9BF06073F22B}" dt="2020-08-01T15:00:13.436" v="2465" actId="20577"/>
+          <ac:spMkLst>
+            <pc:docMk/>
+            <pc:sldMk cId="3896498475" sldId="265"/>
+            <ac:spMk id="11" creationId="{A668F15F-46CE-4848-9112-530F67407469}"/>
+          </ac:spMkLst>
+        </pc:spChg>
+      </pc:sldChg>
+      <pc:sldChg chg="addSp delSp modSp new mod modClrScheme chgLayout">
+        <pc:chgData name="John Falcone" userId="1fac64da71420b81" providerId="LiveId" clId="{4DED248E-BB03-4A61-BB2C-9BF06073F22B}" dt="2020-08-01T15:06:56.463" v="3410" actId="20577"/>
+        <pc:sldMkLst>
+          <pc:docMk/>
+          <pc:sldMk cId="247990533" sldId="266"/>
+        </pc:sldMkLst>
+        <pc:spChg chg="del mod ord">
+          <ac:chgData name="John Falcone" userId="1fac64da71420b81" providerId="LiveId" clId="{4DED248E-BB03-4A61-BB2C-9BF06073F22B}" dt="2020-08-01T15:00:36.215" v="2494" actId="700"/>
+          <ac:spMkLst>
+            <pc:docMk/>
+            <pc:sldMk cId="247990533" sldId="266"/>
+            <ac:spMk id="2" creationId="{127BB5FE-E143-4AA3-9E85-77CDDD179EA1}"/>
+          </ac:spMkLst>
+        </pc:spChg>
+        <pc:spChg chg="del mod ord">
+          <ac:chgData name="John Falcone" userId="1fac64da71420b81" providerId="LiveId" clId="{4DED248E-BB03-4A61-BB2C-9BF06073F22B}" dt="2020-08-01T15:00:36.215" v="2494" actId="700"/>
+          <ac:spMkLst>
+            <pc:docMk/>
+            <pc:sldMk cId="247990533" sldId="266"/>
+            <ac:spMk id="3" creationId="{BB309C1D-8483-40F6-85B3-556D3CA06172}"/>
+          </ac:spMkLst>
+        </pc:spChg>
+        <pc:spChg chg="del">
+          <ac:chgData name="John Falcone" userId="1fac64da71420b81" providerId="LiveId" clId="{4DED248E-BB03-4A61-BB2C-9BF06073F22B}" dt="2020-08-01T15:00:36.215" v="2494" actId="700"/>
+          <ac:spMkLst>
+            <pc:docMk/>
+            <pc:sldMk cId="247990533" sldId="266"/>
+            <ac:spMk id="4" creationId="{B1862858-142D-465E-A011-23AD64A8CB03}"/>
+          </ac:spMkLst>
+        </pc:spChg>
+        <pc:spChg chg="add mod ord">
+          <ac:chgData name="John Falcone" userId="1fac64da71420b81" providerId="LiveId" clId="{4DED248E-BB03-4A61-BB2C-9BF06073F22B}" dt="2020-08-01T15:00:40.961" v="2505" actId="20577"/>
+          <ac:spMkLst>
+            <pc:docMk/>
+            <pc:sldMk cId="247990533" sldId="266"/>
+            <ac:spMk id="5" creationId="{412D6B57-556D-4469-95E2-34BEFE8B1662}"/>
+          </ac:spMkLst>
+        </pc:spChg>
+        <pc:spChg chg="add mod ord">
+          <ac:chgData name="John Falcone" userId="1fac64da71420b81" providerId="LiveId" clId="{4DED248E-BB03-4A61-BB2C-9BF06073F22B}" dt="2020-08-01T15:06:56.463" v="3410" actId="20577"/>
+          <ac:spMkLst>
+            <pc:docMk/>
+            <pc:sldMk cId="247990533" sldId="266"/>
+            <ac:spMk id="6" creationId="{7E7B0501-72D0-42B9-AD2B-BFD0E2101296}"/>
+          </ac:spMkLst>
+        </pc:spChg>
       </pc:sldChg>
     </pc:docChg>
   </pc:docChgLst>
@@ -2128,12 +2376,12 @@
     <dgm:cxn modelId="{22025C11-9260-4FE1-A797-699D85DC2C52}" srcId="{A6263637-33FC-45E2-8259-A53F08A2FA6B}" destId="{5DF77847-FB36-4229-8E19-A7C272614530}" srcOrd="8" destOrd="0" parTransId="{58BDD30E-1E2A-48C1-9259-49CF837C4F04}" sibTransId="{00E567D9-E9E7-454E-97C0-810B331D2E62}"/>
     <dgm:cxn modelId="{F8F94520-A76B-4801-920C-C765091B10A3}" type="presOf" srcId="{E31A8441-9289-4E34-AC47-EC2DF130E5B1}" destId="{6FD2AB5F-8F18-49B7-B806-8719BF070796}" srcOrd="0" destOrd="0" presId="urn:microsoft.com/office/officeart/2005/8/layout/default"/>
     <dgm:cxn modelId="{A8184B29-19B6-4E88-9F43-A791B14ADF67}" type="presOf" srcId="{D7431210-FCA2-4DC9-A44B-765DEA8F4E6F}" destId="{8D56E397-4EBB-4FA9-9E12-D815C7FFE09A}" srcOrd="0" destOrd="0" presId="urn:microsoft.com/office/officeart/2005/8/layout/default"/>
+    <dgm:cxn modelId="{E2A2D161-26A9-4B0B-8C1D-93A2A6D688A3}" srcId="{A6263637-33FC-45E2-8259-A53F08A2FA6B}" destId="{C7AC691F-7726-4E36-9432-F6C308064BCC}" srcOrd="7" destOrd="0" parTransId="{C2C49448-CB1B-4BE3-9251-5870E41EA853}" sibTransId="{C630440C-EA22-4221-A703-019CED9E303F}"/>
+    <dgm:cxn modelId="{57DDB867-FDCE-45E2-8E5B-02DF827AE7E6}" type="presOf" srcId="{5DF77847-FB36-4229-8E19-A7C272614530}" destId="{C2D589D4-4E46-4AFF-809F-3800ECEE1C17}" srcOrd="0" destOrd="0" presId="urn:microsoft.com/office/officeart/2005/8/layout/default"/>
     <dgm:cxn modelId="{22A0C14A-39EB-4710-9DC4-24844951A60C}" srcId="{A6263637-33FC-45E2-8259-A53F08A2FA6B}" destId="{0DBD4EB5-F2F0-45A3-BD2D-B9B15005D523}" srcOrd="3" destOrd="0" parTransId="{2A442705-19F4-4DA9-AAF2-183A44A6017E}" sibTransId="{1272A980-CEDD-4E7A-8112-20AEC61FCE18}"/>
     <dgm:cxn modelId="{88AAFC4E-111E-449E-9FE9-04679F81C339}" type="presOf" srcId="{C7AC691F-7726-4E36-9432-F6C308064BCC}" destId="{B81FFE46-2999-4FC5-9EC0-BCFAE0927BB2}" srcOrd="0" destOrd="0" presId="urn:microsoft.com/office/officeart/2005/8/layout/default"/>
+    <dgm:cxn modelId="{5E70576F-BC2A-4472-BA7F-19A91C271B0E}" type="presOf" srcId="{D6A081FA-6807-433F-8960-186513C298BD}" destId="{C4039A69-3C1E-485B-B015-2EBE9C11EC1A}" srcOrd="0" destOrd="0" presId="urn:microsoft.com/office/officeart/2005/8/layout/default"/>
     <dgm:cxn modelId="{69C88A53-F276-4CBD-A0B4-EE24063633BC}" type="presOf" srcId="{A6263637-33FC-45E2-8259-A53F08A2FA6B}" destId="{B4FA8522-25B6-4B9B-BC27-A2005760B746}" srcOrd="0" destOrd="0" presId="urn:microsoft.com/office/officeart/2005/8/layout/default"/>
-    <dgm:cxn modelId="{E2A2D161-26A9-4B0B-8C1D-93A2A6D688A3}" srcId="{A6263637-33FC-45E2-8259-A53F08A2FA6B}" destId="{C7AC691F-7726-4E36-9432-F6C308064BCC}" srcOrd="7" destOrd="0" parTransId="{C2C49448-CB1B-4BE3-9251-5870E41EA853}" sibTransId="{C630440C-EA22-4221-A703-019CED9E303F}"/>
-    <dgm:cxn modelId="{57DDB867-FDCE-45E2-8E5B-02DF827AE7E6}" type="presOf" srcId="{5DF77847-FB36-4229-8E19-A7C272614530}" destId="{C2D589D4-4E46-4AFF-809F-3800ECEE1C17}" srcOrd="0" destOrd="0" presId="urn:microsoft.com/office/officeart/2005/8/layout/default"/>
-    <dgm:cxn modelId="{5E70576F-BC2A-4472-BA7F-19A91C271B0E}" type="presOf" srcId="{D6A081FA-6807-433F-8960-186513C298BD}" destId="{C4039A69-3C1E-485B-B015-2EBE9C11EC1A}" srcOrd="0" destOrd="0" presId="urn:microsoft.com/office/officeart/2005/8/layout/default"/>
     <dgm:cxn modelId="{0E905A7A-E0CE-4D81-8A7A-146DFB357882}" srcId="{A6263637-33FC-45E2-8259-A53F08A2FA6B}" destId="{9457D758-BAC2-42D6-BE55-91A34B463CC3}" srcOrd="2" destOrd="0" parTransId="{2A4A976D-8CDB-4F8C-AFCA-96FA23ECFE3B}" sibTransId="{8D4BC483-74A0-410F-83EB-CEAB9429DCAB}"/>
     <dgm:cxn modelId="{64354588-2799-478B-A661-16B338D34E9F}" srcId="{A6263637-33FC-45E2-8259-A53F08A2FA6B}" destId="{D6A081FA-6807-433F-8960-186513C298BD}" srcOrd="0" destOrd="0" parTransId="{08857B2E-E2DC-4195-B725-DC288BD2C3F5}" sibTransId="{77F6AA68-1A1B-44BF-AFF1-7522AE2E0FDF}"/>
     <dgm:cxn modelId="{F492D996-EEE7-4DC8-9B49-CC462774765F}" type="presOf" srcId="{3A9F2FF5-FF98-4F5B-9193-C24C72B11B35}" destId="{603E2D06-CFA2-49CB-B910-36D2123AAAB3}" srcOrd="0" destOrd="0" presId="urn:microsoft.com/office/officeart/2005/8/layout/default"/>
@@ -4138,7 +4386,7 @@
           <a:p>
             <a:fld id="{72DE1723-F3E2-C64B-B258-98BC3D7C2299}" type="datetimeFigureOut">
               <a:rPr lang="en-US" smtClean="0"/>
-              <a:t>7/31/20</a:t>
+              <a:t>8/1/2020</a:t>
             </a:fld>
             <a:endParaRPr lang="en-US"/>
           </a:p>
@@ -4672,6 +4920,207 @@
 </p:notes>
 </file>
 
+<file path=ppt/notesSlides/notesSlide4.xml><?xml version="1.0" encoding="utf-8"?>
+<p:notes xmlns:a="http://schemas.openxmlformats.org/drawingml/2006/main" xmlns:r="http://schemas.openxmlformats.org/officeDocument/2006/relationships" xmlns:p="http://schemas.openxmlformats.org/presentationml/2006/main">
+  <p:cSld>
+    <p:spTree>
+      <p:nvGrpSpPr>
+        <p:cNvPr id="1" name=""/>
+        <p:cNvGrpSpPr/>
+        <p:nvPr/>
+      </p:nvGrpSpPr>
+      <p:grpSpPr>
+        <a:xfrm>
+          <a:off x="0" y="0"/>
+          <a:ext cx="0" cy="0"/>
+          <a:chOff x="0" y="0"/>
+          <a:chExt cx="0" cy="0"/>
+        </a:xfrm>
+      </p:grpSpPr>
+      <p:sp>
+        <p:nvSpPr>
+          <p:cNvPr id="2" name="Slide Image Placeholder 1"/>
+          <p:cNvSpPr>
+            <a:spLocks noGrp="1" noRot="1" noChangeAspect="1"/>
+          </p:cNvSpPr>
+          <p:nvPr>
+            <p:ph type="sldImg"/>
+          </p:nvPr>
+        </p:nvSpPr>
+        <p:spPr/>
+      </p:sp>
+      <p:sp>
+        <p:nvSpPr>
+          <p:cNvPr id="3" name="Notes Placeholder 2"/>
+          <p:cNvSpPr>
+            <a:spLocks noGrp="1"/>
+          </p:cNvSpPr>
+          <p:nvPr>
+            <p:ph type="body" idx="1"/>
+          </p:nvPr>
+        </p:nvSpPr>
+        <p:spPr/>
+        <p:txBody>
+          <a:bodyPr/>
+          <a:lstStyle/>
+          <a:p>
+            <a:r>
+              <a:rPr lang="en-US" dirty="0">
+                <a:hlinkClick r:id="rId3"/>
+              </a:rPr>
+              <a:t>https://www.bizjournals.com/charlotte/blog/bank_notes/2013/09/inside-scoop-uber-arrives-in.html</a:t>
+            </a:r>
+            <a:r>
+              <a:rPr lang="en-US" dirty="0"/>
+              <a:t> uber arrival</a:t>
+            </a:r>
+            <a:endParaRPr lang="en-US" dirty="0">
+              <a:hlinkClick r:id="rId4"/>
+            </a:endParaRPr>
+          </a:p>
+          <a:p>
+            <a:r>
+              <a:rPr lang="en-US" dirty="0">
+                <a:hlinkClick r:id="rId4"/>
+              </a:rPr>
+              <a:t>https://charlottenc.gov/cats/transit-planning/blue-line-extension/Pages/default.aspx</a:t>
+            </a:r>
+            <a:r>
+              <a:rPr lang="en-US" dirty="0"/>
+              <a:t> Expansion date</a:t>
+            </a:r>
+          </a:p>
+        </p:txBody>
+      </p:sp>
+      <p:sp>
+        <p:nvSpPr>
+          <p:cNvPr id="4" name="Slide Number Placeholder 3"/>
+          <p:cNvSpPr>
+            <a:spLocks noGrp="1"/>
+          </p:cNvSpPr>
+          <p:nvPr>
+            <p:ph type="sldNum" sz="quarter" idx="5"/>
+          </p:nvPr>
+        </p:nvSpPr>
+        <p:spPr/>
+        <p:txBody>
+          <a:bodyPr/>
+          <a:lstStyle/>
+          <a:p>
+            <a:fld id="{36C76602-F4BE-5B46-99F7-0F80BD6BF042}" type="slidenum">
+              <a:rPr lang="en-US" smtClean="0"/>
+              <a:t>9</a:t>
+            </a:fld>
+            <a:endParaRPr lang="en-US"/>
+          </a:p>
+        </p:txBody>
+      </p:sp>
+    </p:spTree>
+    <p:extLst>
+      <p:ext uri="{BB962C8B-B14F-4D97-AF65-F5344CB8AC3E}">
+        <p14:creationId xmlns:p14="http://schemas.microsoft.com/office/powerpoint/2010/main" val="3991242144"/>
+      </p:ext>
+    </p:extLst>
+  </p:cSld>
+  <p:clrMapOvr>
+    <a:masterClrMapping/>
+  </p:clrMapOvr>
+</p:notes>
+</file>
+
+<file path=ppt/notesSlides/notesSlide5.xml><?xml version="1.0" encoding="utf-8"?>
+<p:notes xmlns:a="http://schemas.openxmlformats.org/drawingml/2006/main" xmlns:r="http://schemas.openxmlformats.org/officeDocument/2006/relationships" xmlns:p="http://schemas.openxmlformats.org/presentationml/2006/main">
+  <p:cSld>
+    <p:spTree>
+      <p:nvGrpSpPr>
+        <p:cNvPr id="1" name=""/>
+        <p:cNvGrpSpPr/>
+        <p:nvPr/>
+      </p:nvGrpSpPr>
+      <p:grpSpPr>
+        <a:xfrm>
+          <a:off x="0" y="0"/>
+          <a:ext cx="0" cy="0"/>
+          <a:chOff x="0" y="0"/>
+          <a:chExt cx="0" cy="0"/>
+        </a:xfrm>
+      </p:grpSpPr>
+      <p:sp>
+        <p:nvSpPr>
+          <p:cNvPr id="2" name="Slide Image Placeholder 1"/>
+          <p:cNvSpPr>
+            <a:spLocks noGrp="1" noRot="1" noChangeAspect="1"/>
+          </p:cNvSpPr>
+          <p:nvPr>
+            <p:ph type="sldImg"/>
+          </p:nvPr>
+        </p:nvSpPr>
+        <p:spPr/>
+      </p:sp>
+      <p:sp>
+        <p:nvSpPr>
+          <p:cNvPr id="3" name="Notes Placeholder 2"/>
+          <p:cNvSpPr>
+            <a:spLocks noGrp="1"/>
+          </p:cNvSpPr>
+          <p:nvPr>
+            <p:ph type="body" idx="1"/>
+          </p:nvPr>
+        </p:nvSpPr>
+        <p:spPr/>
+        <p:txBody>
+          <a:bodyPr/>
+          <a:lstStyle/>
+          <a:p>
+            <a:r>
+              <a:rPr lang="en-US" dirty="0">
+                <a:hlinkClick r:id="rId3"/>
+              </a:rPr>
+              <a:t>https://ui.uncc.edu/story/Carolinas-urban-rural-connections-commuting-charlotte-region</a:t>
+            </a:r>
+            <a:r>
+              <a:rPr lang="en-US" dirty="0"/>
+              <a:t> county commuting statistic</a:t>
+            </a:r>
+          </a:p>
+        </p:txBody>
+      </p:sp>
+      <p:sp>
+        <p:nvSpPr>
+          <p:cNvPr id="4" name="Slide Number Placeholder 3"/>
+          <p:cNvSpPr>
+            <a:spLocks noGrp="1"/>
+          </p:cNvSpPr>
+          <p:nvPr>
+            <p:ph type="sldNum" sz="quarter" idx="5"/>
+          </p:nvPr>
+        </p:nvSpPr>
+        <p:spPr/>
+        <p:txBody>
+          <a:bodyPr/>
+          <a:lstStyle/>
+          <a:p>
+            <a:fld id="{36C76602-F4BE-5B46-99F7-0F80BD6BF042}" type="slidenum">
+              <a:rPr lang="en-US" smtClean="0"/>
+              <a:t>10</a:t>
+            </a:fld>
+            <a:endParaRPr lang="en-US"/>
+          </a:p>
+        </p:txBody>
+      </p:sp>
+    </p:spTree>
+    <p:extLst>
+      <p:ext uri="{BB962C8B-B14F-4D97-AF65-F5344CB8AC3E}">
+        <p14:creationId xmlns:p14="http://schemas.microsoft.com/office/powerpoint/2010/main" val="3112700488"/>
+      </p:ext>
+    </p:extLst>
+  </p:cSld>
+  <p:clrMapOvr>
+    <a:masterClrMapping/>
+  </p:clrMapOvr>
+</p:notes>
+</file>
+
 <file path=ppt/slideLayouts/slideLayout1.xml><?xml version="1.0" encoding="utf-8"?>
 <p:sldLayout xmlns:a="http://schemas.openxmlformats.org/drawingml/2006/main" xmlns:r="http://schemas.openxmlformats.org/officeDocument/2006/relationships" xmlns:p="http://schemas.openxmlformats.org/presentationml/2006/main" type="title" preserve="1">
   <p:cSld name="Title Slide">
@@ -4858,7 +5307,7 @@
           <a:p>
             <a:fld id="{82EDB8D0-98ED-4B86-9D5F-E61ADC70144D}" type="datetimeFigureOut">
               <a:rPr lang="en-US" smtClean="0"/>
-              <a:t>7/31/20</a:t>
+              <a:t>8/1/2020</a:t>
             </a:fld>
             <a:endParaRPr lang="en-US" dirty="0"/>
           </a:p>
@@ -5134,7 +5583,7 @@
             <a:fld id="{82EDB8D0-98ED-4B86-9D5F-E61ADC70144D}" type="datetimeFigureOut">
               <a:rPr lang="en-US" smtClean="0"/>
               <a:pPr/>
-              <a:t>7/31/20</a:t>
+              <a:t>8/1/2020</a:t>
             </a:fld>
             <a:endParaRPr lang="en-US" dirty="0"/>
           </a:p>
@@ -5330,7 +5779,7 @@
             <a:fld id="{82EDB8D0-98ED-4B86-9D5F-E61ADC70144D}" type="datetimeFigureOut">
               <a:rPr lang="en-US" smtClean="0"/>
               <a:pPr/>
-              <a:t>7/31/20</a:t>
+              <a:t>8/1/2020</a:t>
             </a:fld>
             <a:endParaRPr lang="en-US" dirty="0"/>
           </a:p>
@@ -5605,7 +6054,7 @@
             <a:fld id="{82EDB8D0-98ED-4B86-9D5F-E61ADC70144D}" type="datetimeFigureOut">
               <a:rPr lang="en-US" smtClean="0"/>
               <a:pPr/>
-              <a:t>7/31/20</a:t>
+              <a:t>8/1/2020</a:t>
             </a:fld>
             <a:endParaRPr lang="en-US" dirty="0"/>
           </a:p>
@@ -5948,7 +6397,7 @@
             <a:fld id="{82EDB8D0-98ED-4B86-9D5F-E61ADC70144D}" type="datetimeFigureOut">
               <a:rPr lang="en-US" smtClean="0"/>
               <a:pPr/>
-              <a:t>7/31/20</a:t>
+              <a:t>8/1/2020</a:t>
             </a:fld>
             <a:endParaRPr lang="en-US" dirty="0"/>
           </a:p>
@@ -6573,7 +7022,7 @@
             <a:fld id="{82EDB8D0-98ED-4B86-9D5F-E61ADC70144D}" type="datetimeFigureOut">
               <a:rPr lang="en-US" smtClean="0"/>
               <a:pPr/>
-              <a:t>7/31/20</a:t>
+              <a:t>8/1/2020</a:t>
             </a:fld>
             <a:endParaRPr lang="en-US" dirty="0"/>
           </a:p>
@@ -7435,7 +7884,7 @@
             <a:fld id="{82EDB8D0-98ED-4B86-9D5F-E61ADC70144D}" type="datetimeFigureOut">
               <a:rPr lang="en-US" smtClean="0"/>
               <a:pPr/>
-              <a:t>7/31/20</a:t>
+              <a:t>8/1/2020</a:t>
             </a:fld>
             <a:endParaRPr lang="en-US" dirty="0"/>
           </a:p>
@@ -7606,7 +8055,7 @@
           <a:p>
             <a:fld id="{82EDB8D0-98ED-4B86-9D5F-E61ADC70144D}" type="datetimeFigureOut">
               <a:rPr lang="en-US" smtClean="0"/>
-              <a:t>7/31/20</a:t>
+              <a:t>8/1/2020</a:t>
             </a:fld>
             <a:endParaRPr lang="en-US"/>
           </a:p>
@@ -7786,7 +8235,7 @@
           <a:p>
             <a:fld id="{82EDB8D0-98ED-4B86-9D5F-E61ADC70144D}" type="datetimeFigureOut">
               <a:rPr lang="en-US" smtClean="0"/>
-              <a:t>7/31/20</a:t>
+              <a:t>8/1/2020</a:t>
             </a:fld>
             <a:endParaRPr lang="en-US"/>
           </a:p>
@@ -7956,7 +8405,7 @@
           <a:p>
             <a:fld id="{82EDB8D0-98ED-4B86-9D5F-E61ADC70144D}" type="datetimeFigureOut">
               <a:rPr lang="en-US" smtClean="0"/>
-              <a:t>7/31/20</a:t>
+              <a:t>8/1/2020</a:t>
             </a:fld>
             <a:endParaRPr lang="en-US" dirty="0"/>
           </a:p>
@@ -8203,7 +8652,7 @@
           <a:p>
             <a:fld id="{82EDB8D0-98ED-4B86-9D5F-E61ADC70144D}" type="datetimeFigureOut">
               <a:rPr lang="en-US" smtClean="0"/>
-              <a:t>7/31/20</a:t>
+              <a:t>8/1/2020</a:t>
             </a:fld>
             <a:endParaRPr lang="en-US"/>
           </a:p>
@@ -8495,7 +8944,7 @@
           <a:p>
             <a:fld id="{82EDB8D0-98ED-4B86-9D5F-E61ADC70144D}" type="datetimeFigureOut">
               <a:rPr lang="en-US" smtClean="0"/>
-              <a:t>7/31/20</a:t>
+              <a:t>8/1/2020</a:t>
             </a:fld>
             <a:endParaRPr lang="en-US"/>
           </a:p>
@@ -8939,7 +9388,7 @@
           <a:p>
             <a:fld id="{82EDB8D0-98ED-4B86-9D5F-E61ADC70144D}" type="datetimeFigureOut">
               <a:rPr lang="en-US" smtClean="0"/>
-              <a:t>7/31/20</a:t>
+              <a:t>8/1/2020</a:t>
             </a:fld>
             <a:endParaRPr lang="en-US"/>
           </a:p>
@@ -9057,7 +9506,7 @@
           <a:p>
             <a:fld id="{82EDB8D0-98ED-4B86-9D5F-E61ADC70144D}" type="datetimeFigureOut">
               <a:rPr lang="en-US" smtClean="0"/>
-              <a:t>7/31/20</a:t>
+              <a:t>8/1/2020</a:t>
             </a:fld>
             <a:endParaRPr lang="en-US"/>
           </a:p>
@@ -9152,7 +9601,7 @@
           <a:p>
             <a:fld id="{82EDB8D0-98ED-4B86-9D5F-E61ADC70144D}" type="datetimeFigureOut">
               <a:rPr lang="en-US" smtClean="0"/>
-              <a:t>7/31/20</a:t>
+              <a:t>8/1/2020</a:t>
             </a:fld>
             <a:endParaRPr lang="en-US"/>
           </a:p>
@@ -9431,7 +9880,7 @@
           <a:p>
             <a:fld id="{82EDB8D0-98ED-4B86-9D5F-E61ADC70144D}" type="datetimeFigureOut">
               <a:rPr lang="en-US" smtClean="0"/>
-              <a:t>7/31/20</a:t>
+              <a:t>8/1/2020</a:t>
             </a:fld>
             <a:endParaRPr lang="en-US"/>
           </a:p>
@@ -9706,7 +10155,7 @@
           <a:p>
             <a:fld id="{82EDB8D0-98ED-4B86-9D5F-E61ADC70144D}" type="datetimeFigureOut">
               <a:rPr lang="en-US" smtClean="0"/>
-              <a:t>7/31/20</a:t>
+              <a:t>8/1/2020</a:t>
             </a:fld>
             <a:endParaRPr lang="en-US"/>
           </a:p>
@@ -10136,7 +10585,7 @@
             <a:fld id="{82EDB8D0-98ED-4B86-9D5F-E61ADC70144D}" type="datetimeFigureOut">
               <a:rPr lang="en-US" smtClean="0"/>
               <a:pPr/>
-              <a:t>7/31/20</a:t>
+              <a:t>8/1/2020</a:t>
             </a:fld>
             <a:endParaRPr lang="en-US" dirty="0"/>
           </a:p>
@@ -10837,6 +11286,241 @@
 </p:sld>
 </file>
 
+<file path=ppt/slides/slide10.xml><?xml version="1.0" encoding="utf-8"?>
+<p:sld xmlns:a="http://schemas.openxmlformats.org/drawingml/2006/main" xmlns:r="http://schemas.openxmlformats.org/officeDocument/2006/relationships" xmlns:p="http://schemas.openxmlformats.org/presentationml/2006/main">
+  <p:cSld>
+    <p:spTree>
+      <p:nvGrpSpPr>
+        <p:cNvPr id="1" name=""/>
+        <p:cNvGrpSpPr/>
+        <p:nvPr/>
+      </p:nvGrpSpPr>
+      <p:grpSpPr>
+        <a:xfrm>
+          <a:off x="0" y="0"/>
+          <a:ext cx="0" cy="0"/>
+          <a:chOff x="0" y="0"/>
+          <a:chExt cx="0" cy="0"/>
+        </a:xfrm>
+      </p:grpSpPr>
+      <p:sp>
+        <p:nvSpPr>
+          <p:cNvPr id="9" name="Title 8">
+            <a:extLst>
+              <a:ext uri="{FF2B5EF4-FFF2-40B4-BE49-F238E27FC236}">
+                <a16:creationId xmlns:a16="http://schemas.microsoft.com/office/drawing/2014/main" id="{EC2C6CE4-7503-4679-A050-992310594611}"/>
+              </a:ext>
+            </a:extLst>
+          </p:cNvPr>
+          <p:cNvSpPr>
+            <a:spLocks noGrp="1"/>
+          </p:cNvSpPr>
+          <p:nvPr>
+            <p:ph type="title"/>
+          </p:nvPr>
+        </p:nvSpPr>
+        <p:spPr>
+          <a:xfrm>
+            <a:off x="646111" y="452718"/>
+            <a:ext cx="9404723" cy="728382"/>
+          </a:xfrm>
+        </p:spPr>
+        <p:txBody>
+          <a:bodyPr/>
+          <a:lstStyle/>
+          <a:p>
+            <a:r>
+              <a:rPr lang="en-US" dirty="0"/>
+              <a:t>Speculations</a:t>
+            </a:r>
+          </a:p>
+        </p:txBody>
+      </p:sp>
+      <p:sp>
+        <p:nvSpPr>
+          <p:cNvPr id="10" name="Content Placeholder 9">
+            <a:extLst>
+              <a:ext uri="{FF2B5EF4-FFF2-40B4-BE49-F238E27FC236}">
+                <a16:creationId xmlns:a16="http://schemas.microsoft.com/office/drawing/2014/main" id="{57117D46-E10C-4708-AADD-B51FE0677E68}"/>
+              </a:ext>
+            </a:extLst>
+          </p:cNvPr>
+          <p:cNvSpPr>
+            <a:spLocks noGrp="1"/>
+          </p:cNvSpPr>
+          <p:nvPr>
+            <p:ph sz="half" idx="1"/>
+          </p:nvPr>
+        </p:nvSpPr>
+        <p:spPr/>
+        <p:txBody>
+          <a:bodyPr>
+            <a:normAutofit lnSpcReduction="10000"/>
+          </a:bodyPr>
+          <a:lstStyle/>
+          <a:p>
+            <a:r>
+              <a:rPr lang="en-US" dirty="0"/>
+              <a:t>Minding that this data is from 2011 to 2015 we might begin to speculate how these numbers have changed in 2020 with the pandemic and more people working remotely than ever before.</a:t>
+            </a:r>
+          </a:p>
+          <a:p>
+            <a:r>
+              <a:rPr lang="en-US" dirty="0"/>
+              <a:t>Same being said for a likely drop in the data for 2020 in public transport and carpooling due to the pandemic as well, and people not using due to working remote or health concerns.</a:t>
+            </a:r>
+          </a:p>
+        </p:txBody>
+      </p:sp>
+      <p:sp>
+        <p:nvSpPr>
+          <p:cNvPr id="11" name="Content Placeholder 10">
+            <a:extLst>
+              <a:ext uri="{FF2B5EF4-FFF2-40B4-BE49-F238E27FC236}">
+                <a16:creationId xmlns:a16="http://schemas.microsoft.com/office/drawing/2014/main" id="{A668F15F-46CE-4848-9112-530F67407469}"/>
+              </a:ext>
+            </a:extLst>
+          </p:cNvPr>
+          <p:cNvSpPr>
+            <a:spLocks noGrp="1"/>
+          </p:cNvSpPr>
+          <p:nvPr>
+            <p:ph sz="half" idx="2"/>
+          </p:nvPr>
+        </p:nvSpPr>
+        <p:spPr/>
+        <p:txBody>
+          <a:bodyPr>
+            <a:normAutofit lnSpcReduction="10000"/>
+          </a:bodyPr>
+          <a:lstStyle/>
+          <a:p>
+            <a:r>
+              <a:rPr lang="en-US" dirty="0"/>
+              <a:t>Most of the top and bottom 10 median income areas are both near or located in uptown, one can assume there is a higher level of income inequality in smaller neighborhoods closer to the city than farther away from it in areas such as Ballantyne or Mint Hill.</a:t>
+            </a:r>
+          </a:p>
+          <a:p>
+            <a:r>
+              <a:rPr lang="en-US" dirty="0"/>
+              <a:t>While more likely to use varied transportation the lower the income these metrics don’t include people from out of county commuting into Charlotte, since 2002 out of county commuting has grown 167% in North Carolina.</a:t>
+            </a:r>
+          </a:p>
+          <a:p>
+            <a:endParaRPr lang="en-US" dirty="0"/>
+          </a:p>
+        </p:txBody>
+      </p:sp>
+    </p:spTree>
+    <p:extLst>
+      <p:ext uri="{BB962C8B-B14F-4D97-AF65-F5344CB8AC3E}">
+        <p14:creationId xmlns:p14="http://schemas.microsoft.com/office/powerpoint/2010/main" val="3896498475"/>
+      </p:ext>
+    </p:extLst>
+  </p:cSld>
+  <p:clrMapOvr>
+    <a:masterClrMapping/>
+  </p:clrMapOvr>
+</p:sld>
+</file>
+
+<file path=ppt/slides/slide11.xml><?xml version="1.0" encoding="utf-8"?>
+<p:sld xmlns:a="http://schemas.openxmlformats.org/drawingml/2006/main" xmlns:r="http://schemas.openxmlformats.org/officeDocument/2006/relationships" xmlns:p="http://schemas.openxmlformats.org/presentationml/2006/main">
+  <p:cSld>
+    <p:spTree>
+      <p:nvGrpSpPr>
+        <p:cNvPr id="1" name=""/>
+        <p:cNvGrpSpPr/>
+        <p:nvPr/>
+      </p:nvGrpSpPr>
+      <p:grpSpPr>
+        <a:xfrm>
+          <a:off x="0" y="0"/>
+          <a:ext cx="0" cy="0"/>
+          <a:chOff x="0" y="0"/>
+          <a:chExt cx="0" cy="0"/>
+        </a:xfrm>
+      </p:grpSpPr>
+      <p:sp>
+        <p:nvSpPr>
+          <p:cNvPr id="5" name="Title 4">
+            <a:extLst>
+              <a:ext uri="{FF2B5EF4-FFF2-40B4-BE49-F238E27FC236}">
+                <a16:creationId xmlns:a16="http://schemas.microsoft.com/office/drawing/2014/main" id="{412D6B57-556D-4469-95E2-34BEFE8B1662}"/>
+              </a:ext>
+            </a:extLst>
+          </p:cNvPr>
+          <p:cNvSpPr>
+            <a:spLocks noGrp="1"/>
+          </p:cNvSpPr>
+          <p:nvPr>
+            <p:ph type="title"/>
+          </p:nvPr>
+        </p:nvSpPr>
+        <p:spPr/>
+        <p:txBody>
+          <a:bodyPr/>
+          <a:lstStyle/>
+          <a:p>
+            <a:r>
+              <a:rPr lang="en-US" dirty="0"/>
+              <a:t>Conclusions</a:t>
+            </a:r>
+          </a:p>
+        </p:txBody>
+      </p:sp>
+      <p:sp>
+        <p:nvSpPr>
+          <p:cNvPr id="6" name="Content Placeholder 5">
+            <a:extLst>
+              <a:ext uri="{FF2B5EF4-FFF2-40B4-BE49-F238E27FC236}">
+                <a16:creationId xmlns:a16="http://schemas.microsoft.com/office/drawing/2014/main" id="{7E7B0501-72D0-42B9-AD2B-BFD0E2101296}"/>
+              </a:ext>
+            </a:extLst>
+          </p:cNvPr>
+          <p:cNvSpPr>
+            <a:spLocks noGrp="1"/>
+          </p:cNvSpPr>
+          <p:nvPr>
+            <p:ph idx="1"/>
+          </p:nvPr>
+        </p:nvSpPr>
+        <p:spPr/>
+        <p:txBody>
+          <a:bodyPr/>
+          <a:lstStyle/>
+          <a:p>
+            <a:r>
+              <a:rPr lang="en-US" dirty="0"/>
+              <a:t>Charlotte being a one of the larger metro areas in the United States and one of the fastest growing as well needs more options for people to commute.  The recent expansion of the light rail line into the university area is a start but the underlying problem in Charlotte is that there is no one area where all the people live, or all the Jobs are at so public transport will always be a smaller option in the grand scheme of the city as a whole.</a:t>
+            </a:r>
+          </a:p>
+          <a:p>
+            <a:r>
+              <a:rPr lang="en-US" dirty="0"/>
+              <a:t>The data proves we as a city and most likely as a society that we are mostly about the personal freedom of having your own car to be able to do with what you please.  It will be interesting to see how this data changes in the future with new technologies in self driving cars as well as the changing world with covid-19 being a </a:t>
+            </a:r>
+            <a:r>
+              <a:rPr lang="en-US"/>
+              <a:t>major concern.</a:t>
+            </a:r>
+            <a:endParaRPr lang="en-US" dirty="0"/>
+          </a:p>
+        </p:txBody>
+      </p:sp>
+    </p:spTree>
+    <p:extLst>
+      <p:ext uri="{BB962C8B-B14F-4D97-AF65-F5344CB8AC3E}">
+        <p14:creationId xmlns:p14="http://schemas.microsoft.com/office/powerpoint/2010/main" val="247990533"/>
+      </p:ext>
+    </p:extLst>
+  </p:cSld>
+  <p:clrMapOvr>
+    <a:masterClrMapping/>
+  </p:clrMapOvr>
+</p:sld>
+</file>
+
 <file path=ppt/slides/slide2.xml><?xml version="1.0" encoding="utf-8"?>
 <p:sld xmlns:a="http://schemas.openxmlformats.org/drawingml/2006/main" xmlns:r="http://schemas.openxmlformats.org/officeDocument/2006/relationships" xmlns:p="http://schemas.openxmlformats.org/presentationml/2006/main">
   <p:cSld>
@@ -12633,8 +13317,8 @@
         </p:blipFill>
         <p:spPr>
           <a:xfrm>
-            <a:off x="176125" y="43617"/>
-            <a:ext cx="7118784" cy="7118784"/>
+            <a:off x="176125" y="0"/>
+            <a:ext cx="7171668" cy="6857999"/>
           </a:xfrm>
           <a:prstGeom prst="rect">
             <a:avLst/>
@@ -13653,6 +14337,319 @@
       </p:par>
     </p:tnLst>
   </p:timing>
+</p:sld>
+</file>
+
+<file path=ppt/slides/slide9.xml><?xml version="1.0" encoding="utf-8"?>
+<p:sld xmlns:a="http://schemas.openxmlformats.org/drawingml/2006/main" xmlns:r="http://schemas.openxmlformats.org/officeDocument/2006/relationships" xmlns:p="http://schemas.openxmlformats.org/presentationml/2006/main">
+  <p:cSld>
+    <p:spTree>
+      <p:nvGrpSpPr>
+        <p:cNvPr id="1" name=""/>
+        <p:cNvGrpSpPr/>
+        <p:nvPr/>
+      </p:nvGrpSpPr>
+      <p:grpSpPr>
+        <a:xfrm>
+          <a:off x="0" y="0"/>
+          <a:ext cx="0" cy="0"/>
+          <a:chOff x="0" y="0"/>
+          <a:chExt cx="0" cy="0"/>
+        </a:xfrm>
+      </p:grpSpPr>
+      <p:sp>
+        <p:nvSpPr>
+          <p:cNvPr id="5" name="Title 4">
+            <a:extLst>
+              <a:ext uri="{FF2B5EF4-FFF2-40B4-BE49-F238E27FC236}">
+                <a16:creationId xmlns:a16="http://schemas.microsoft.com/office/drawing/2014/main" id="{B5A9CBBF-21C2-46FD-9B81-9473352DF07B}"/>
+              </a:ext>
+            </a:extLst>
+          </p:cNvPr>
+          <p:cNvSpPr>
+            <a:spLocks noGrp="1"/>
+          </p:cNvSpPr>
+          <p:nvPr>
+            <p:ph type="title"/>
+          </p:nvPr>
+        </p:nvSpPr>
+        <p:spPr>
+          <a:xfrm>
+            <a:off x="652463" y="262794"/>
+            <a:ext cx="9404723" cy="757247"/>
+          </a:xfrm>
+        </p:spPr>
+        <p:txBody>
+          <a:bodyPr/>
+          <a:lstStyle/>
+          <a:p>
+            <a:r>
+              <a:rPr lang="en-US" dirty="0"/>
+              <a:t>Results:</a:t>
+            </a:r>
+          </a:p>
+        </p:txBody>
+      </p:sp>
+      <p:sp>
+        <p:nvSpPr>
+          <p:cNvPr id="6" name="Text Placeholder 5">
+            <a:extLst>
+              <a:ext uri="{FF2B5EF4-FFF2-40B4-BE49-F238E27FC236}">
+                <a16:creationId xmlns:a16="http://schemas.microsoft.com/office/drawing/2014/main" id="{A6C1DBB0-4567-4094-B7CD-B4C34877E1A1}"/>
+              </a:ext>
+            </a:extLst>
+          </p:cNvPr>
+          <p:cNvSpPr>
+            <a:spLocks noGrp="1"/>
+          </p:cNvSpPr>
+          <p:nvPr>
+            <p:ph type="body" idx="1"/>
+          </p:nvPr>
+        </p:nvSpPr>
+        <p:spPr>
+          <a:xfrm>
+            <a:off x="652463" y="1209964"/>
+            <a:ext cx="2932113" cy="414481"/>
+          </a:xfrm>
+        </p:spPr>
+        <p:txBody>
+          <a:bodyPr/>
+          <a:lstStyle/>
+          <a:p>
+            <a:r>
+              <a:rPr lang="en-US" sz="3200" dirty="0"/>
+              <a:t>1. Car crazy!</a:t>
+            </a:r>
+          </a:p>
+        </p:txBody>
+      </p:sp>
+      <p:sp>
+        <p:nvSpPr>
+          <p:cNvPr id="9" name="Text Placeholder 8">
+            <a:extLst>
+              <a:ext uri="{FF2B5EF4-FFF2-40B4-BE49-F238E27FC236}">
+                <a16:creationId xmlns:a16="http://schemas.microsoft.com/office/drawing/2014/main" id="{718944B8-2E3F-4ACE-B256-CB47061F4445}"/>
+              </a:ext>
+            </a:extLst>
+          </p:cNvPr>
+          <p:cNvSpPr>
+            <a:spLocks noGrp="1"/>
+          </p:cNvSpPr>
+          <p:nvPr>
+            <p:ph type="body" sz="half" idx="15"/>
+          </p:nvPr>
+        </p:nvSpPr>
+        <p:spPr>
+          <a:xfrm>
+            <a:off x="652463" y="2004291"/>
+            <a:ext cx="2930524" cy="4252047"/>
+          </a:xfrm>
+        </p:spPr>
+        <p:txBody>
+          <a:bodyPr/>
+          <a:lstStyle/>
+          <a:p>
+            <a:pPr marL="285750" indent="-285750">
+              <a:buFont typeface="Arial" panose="020B0604020202020204" pitchFamily="34" charset="0"/>
+              <a:buChar char="•"/>
+            </a:pPr>
+            <a:r>
+              <a:rPr lang="en-US" dirty="0"/>
+              <a:t> As initially speculated the city of Charlotte and more even greater Mecklenburg county, uses single occupancy car commuting more than any other form of transport.  </a:t>
+            </a:r>
+          </a:p>
+          <a:p>
+            <a:pPr marL="285750" indent="-285750">
+              <a:buFont typeface="Arial" panose="020B0604020202020204" pitchFamily="34" charset="0"/>
+              <a:buChar char="•"/>
+            </a:pPr>
+            <a:r>
+              <a:rPr lang="en-US" dirty="0"/>
+              <a:t>Even minding average income and searching for the 10 highest median income blocks and the 10 lowest median income blocks returned a similarly varied data set only mildly higher for lower income areas in other forms of transport.</a:t>
+            </a:r>
+          </a:p>
+        </p:txBody>
+      </p:sp>
+      <p:sp>
+        <p:nvSpPr>
+          <p:cNvPr id="7" name="Text Placeholder 6">
+            <a:extLst>
+              <a:ext uri="{FF2B5EF4-FFF2-40B4-BE49-F238E27FC236}">
+                <a16:creationId xmlns:a16="http://schemas.microsoft.com/office/drawing/2014/main" id="{D7729938-1E58-4669-934D-E26FC4290FCE}"/>
+              </a:ext>
+            </a:extLst>
+          </p:cNvPr>
+          <p:cNvSpPr>
+            <a:spLocks noGrp="1"/>
+          </p:cNvSpPr>
+          <p:nvPr>
+            <p:ph type="body" sz="quarter" idx="3"/>
+          </p:nvPr>
+        </p:nvSpPr>
+        <p:spPr>
+          <a:xfrm>
+            <a:off x="3880351" y="1210253"/>
+            <a:ext cx="2936241" cy="576262"/>
+          </a:xfrm>
+        </p:spPr>
+        <p:txBody>
+          <a:bodyPr/>
+          <a:lstStyle/>
+          <a:p>
+            <a:r>
+              <a:rPr lang="en-US" sz="2000" dirty="0"/>
+              <a:t>2. Carpooling better than the bus?</a:t>
+            </a:r>
+          </a:p>
+        </p:txBody>
+      </p:sp>
+      <p:sp>
+        <p:nvSpPr>
+          <p:cNvPr id="10" name="Text Placeholder 9">
+            <a:extLst>
+              <a:ext uri="{FF2B5EF4-FFF2-40B4-BE49-F238E27FC236}">
+                <a16:creationId xmlns:a16="http://schemas.microsoft.com/office/drawing/2014/main" id="{143696C7-3F81-45E9-8058-F70ABCBD0D2B}"/>
+              </a:ext>
+            </a:extLst>
+          </p:cNvPr>
+          <p:cNvSpPr>
+            <a:spLocks noGrp="1"/>
+          </p:cNvSpPr>
+          <p:nvPr>
+            <p:ph type="body" sz="half" idx="16"/>
+          </p:nvPr>
+        </p:nvSpPr>
+        <p:spPr>
+          <a:xfrm>
+            <a:off x="3883658" y="2004291"/>
+            <a:ext cx="2936242" cy="4252047"/>
+          </a:xfrm>
+        </p:spPr>
+        <p:txBody>
+          <a:bodyPr/>
+          <a:lstStyle/>
+          <a:p>
+            <a:pPr marL="285750" indent="-285750">
+              <a:buFont typeface="Arial" panose="020B0604020202020204" pitchFamily="34" charset="0"/>
+              <a:buChar char="•"/>
+            </a:pPr>
+            <a:r>
+              <a:rPr lang="en-US" dirty="0"/>
+              <a:t>The second largest transportation style being carpooling shows that more people prefer to have some sort of ride share compared to using public transport.</a:t>
+            </a:r>
+          </a:p>
+          <a:p>
+            <a:pPr marL="285750" indent="-285750">
+              <a:buFont typeface="Arial" panose="020B0604020202020204" pitchFamily="34" charset="0"/>
+              <a:buChar char="•"/>
+            </a:pPr>
+            <a:r>
+              <a:rPr lang="en-US" dirty="0"/>
+              <a:t>We were unable to find if this metric includes the ridesharing services such as Uber and Lyft, but other sources seem to indicate they arrived in the city around 2014, so their drivers might be mislabeled in some parts of the data leading to maybe even more “carpoolers” than thought.</a:t>
+            </a:r>
+          </a:p>
+        </p:txBody>
+      </p:sp>
+      <p:sp>
+        <p:nvSpPr>
+          <p:cNvPr id="8" name="Text Placeholder 7">
+            <a:extLst>
+              <a:ext uri="{FF2B5EF4-FFF2-40B4-BE49-F238E27FC236}">
+                <a16:creationId xmlns:a16="http://schemas.microsoft.com/office/drawing/2014/main" id="{94F8D431-6B3A-4DCA-B906-D193704C4CB2}"/>
+              </a:ext>
+            </a:extLst>
+          </p:cNvPr>
+          <p:cNvSpPr>
+            <a:spLocks noGrp="1"/>
+          </p:cNvSpPr>
+          <p:nvPr>
+            <p:ph type="body" sz="quarter" idx="13"/>
+          </p:nvPr>
+        </p:nvSpPr>
+        <p:spPr>
+          <a:xfrm>
+            <a:off x="7124700" y="1209964"/>
+            <a:ext cx="2932113" cy="576262"/>
+          </a:xfrm>
+        </p:spPr>
+        <p:txBody>
+          <a:bodyPr/>
+          <a:lstStyle/>
+          <a:p>
+            <a:r>
+              <a:rPr lang="en-US" sz="2000" dirty="0"/>
+              <a:t>3. Where is the public transport?</a:t>
+            </a:r>
+          </a:p>
+        </p:txBody>
+      </p:sp>
+      <p:sp>
+        <p:nvSpPr>
+          <p:cNvPr id="11" name="Text Placeholder 10">
+            <a:extLst>
+              <a:ext uri="{FF2B5EF4-FFF2-40B4-BE49-F238E27FC236}">
+                <a16:creationId xmlns:a16="http://schemas.microsoft.com/office/drawing/2014/main" id="{B90D48A9-5917-450B-950F-A3FF3A3AD6EC}"/>
+              </a:ext>
+            </a:extLst>
+          </p:cNvPr>
+          <p:cNvSpPr>
+            <a:spLocks noGrp="1"/>
+          </p:cNvSpPr>
+          <p:nvPr>
+            <p:ph type="body" sz="half" idx="17"/>
+          </p:nvPr>
+        </p:nvSpPr>
+        <p:spPr>
+          <a:xfrm>
+            <a:off x="7120572" y="2004291"/>
+            <a:ext cx="2936241" cy="4252047"/>
+          </a:xfrm>
+        </p:spPr>
+        <p:txBody>
+          <a:bodyPr/>
+          <a:lstStyle/>
+          <a:p>
+            <a:pPr marL="285750" indent="-285750">
+              <a:buFont typeface="Arial" panose="020B0604020202020204" pitchFamily="34" charset="0"/>
+              <a:buChar char="•"/>
+            </a:pPr>
+            <a:r>
+              <a:rPr lang="en-US" dirty="0"/>
+              <a:t>This data does not include the recent expansion of the Lynx train to UNCC main campus in university city.  </a:t>
+            </a:r>
+          </a:p>
+          <a:p>
+            <a:pPr marL="285750" indent="-285750">
+              <a:buFont typeface="Arial" panose="020B0604020202020204" pitchFamily="34" charset="0"/>
+              <a:buChar char="•"/>
+            </a:pPr>
+            <a:r>
+              <a:rPr lang="en-US" dirty="0"/>
+              <a:t>While public transport is one of the smaller metrics in the data at only 3% of the total population surveyed, the new line reaches more areas than the previous south boulevard line, which in turn one would infer to more usage overall.</a:t>
+            </a:r>
+          </a:p>
+          <a:p>
+            <a:pPr marL="285750" indent="-285750">
+              <a:buFont typeface="Arial" panose="020B0604020202020204" pitchFamily="34" charset="0"/>
+              <a:buChar char="•"/>
+            </a:pPr>
+            <a:r>
+              <a:rPr lang="en-US" dirty="0"/>
+              <a:t>This expansion was not completed till March of 2018.</a:t>
+            </a:r>
+          </a:p>
+        </p:txBody>
+      </p:sp>
+    </p:spTree>
+    <p:extLst>
+      <p:ext uri="{BB962C8B-B14F-4D97-AF65-F5344CB8AC3E}">
+        <p14:creationId xmlns:p14="http://schemas.microsoft.com/office/powerpoint/2010/main" val="1844854528"/>
+      </p:ext>
+    </p:extLst>
+  </p:cSld>
+  <p:clrMapOvr>
+    <a:masterClrMapping/>
+  </p:clrMapOvr>
 </p:sld>
 </file>
 
